--- a/CSS PowerPoints/6. CSS Height and Width.pptx
+++ b/CSS PowerPoints/6. CSS Height and Width.pptx
@@ -5,13 +5,21 @@
     <p:sldMasterId id="2147483660" r:id="rId1"/>
   </p:sldMasterIdLst>
   <p:notesMasterIdLst>
-    <p:notesMasterId r:id="rId6"/>
+    <p:notesMasterId r:id="rId14"/>
   </p:notesMasterIdLst>
   <p:sldIdLst>
     <p:sldId id="256" r:id="rId2"/>
     <p:sldId id="257" r:id="rId3"/>
     <p:sldId id="267" r:id="rId4"/>
     <p:sldId id="262" r:id="rId5"/>
+    <p:sldId id="271" r:id="rId6"/>
+    <p:sldId id="272" r:id="rId7"/>
+    <p:sldId id="273" r:id="rId8"/>
+    <p:sldId id="274" r:id="rId9"/>
+    <p:sldId id="275" r:id="rId10"/>
+    <p:sldId id="270" r:id="rId11"/>
+    <p:sldId id="269" r:id="rId12"/>
+    <p:sldId id="268" r:id="rId13"/>
   </p:sldIdLst>
   <p:sldSz cx="9144000" cy="6858000" type="screen4x3"/>
   <p:notesSz cx="6858000" cy="9144000"/>
@@ -195,7 +203,7 @@
           <a:p>
             <a:fld id="{CF895B42-5D02-4CBE-986E-085E74F67CF7}" type="datetimeFigureOut">
               <a:rPr lang="en-IN" smtClean="0"/>
-              <a:t>03-10-2021</a:t>
+              <a:t>04-10-2021</a:t>
             </a:fld>
             <a:endParaRPr lang="en-IN"/>
           </a:p>
@@ -461,6 +469,426 @@
     </a:lvl9pPr>
   </p:notesStyle>
 </p:notesMaster>
+</file>
+
+<file path=ppt/notesSlides/notesSlide1.xml><?xml version="1.0" encoding="utf-8"?>
+<p:notes xmlns:a="http://schemas.openxmlformats.org/drawingml/2006/main" xmlns:r="http://schemas.openxmlformats.org/officeDocument/2006/relationships" xmlns:p="http://schemas.openxmlformats.org/presentationml/2006/main">
+  <p:cSld>
+    <p:spTree>
+      <p:nvGrpSpPr>
+        <p:cNvPr id="1" name=""/>
+        <p:cNvGrpSpPr/>
+        <p:nvPr/>
+      </p:nvGrpSpPr>
+      <p:grpSpPr>
+        <a:xfrm>
+          <a:off x="0" y="0"/>
+          <a:ext cx="0" cy="0"/>
+          <a:chOff x="0" y="0"/>
+          <a:chExt cx="0" cy="0"/>
+        </a:xfrm>
+      </p:grpSpPr>
+      <p:sp>
+        <p:nvSpPr>
+          <p:cNvPr id="2" name="Slide Image Placeholder 1"/>
+          <p:cNvSpPr>
+            <a:spLocks noGrp="1" noRot="1" noChangeAspect="1"/>
+          </p:cNvSpPr>
+          <p:nvPr>
+            <p:ph type="sldImg"/>
+          </p:nvPr>
+        </p:nvSpPr>
+        <p:spPr/>
+      </p:sp>
+      <p:sp>
+        <p:nvSpPr>
+          <p:cNvPr id="3" name="Notes Placeholder 2"/>
+          <p:cNvSpPr>
+            <a:spLocks noGrp="1"/>
+          </p:cNvSpPr>
+          <p:nvPr>
+            <p:ph type="body" idx="1"/>
+          </p:nvPr>
+        </p:nvSpPr>
+        <p:spPr/>
+        <p:txBody>
+          <a:bodyPr/>
+          <a:lstStyle/>
+          <a:p>
+            <a:endParaRPr lang="en-IN" dirty="0"/>
+          </a:p>
+        </p:txBody>
+      </p:sp>
+      <p:sp>
+        <p:nvSpPr>
+          <p:cNvPr id="4" name="Slide Number Placeholder 3"/>
+          <p:cNvSpPr>
+            <a:spLocks noGrp="1"/>
+          </p:cNvSpPr>
+          <p:nvPr>
+            <p:ph type="sldNum" sz="quarter" idx="10"/>
+          </p:nvPr>
+        </p:nvSpPr>
+        <p:spPr/>
+        <p:txBody>
+          <a:bodyPr/>
+          <a:lstStyle/>
+          <a:p>
+            <a:fld id="{77B3BAF6-60DB-4AE6-8B77-0FF64CDE32B9}" type="slidenum">
+              <a:rPr lang="en-IN" smtClean="0"/>
+              <a:t>5</a:t>
+            </a:fld>
+            <a:endParaRPr lang="en-IN"/>
+          </a:p>
+        </p:txBody>
+      </p:sp>
+    </p:spTree>
+    <p:extLst>
+      <p:ext uri="{BB962C8B-B14F-4D97-AF65-F5344CB8AC3E}">
+        <p14:creationId xmlns:p14="http://schemas.microsoft.com/office/powerpoint/2010/main" val="2073707382"/>
+      </p:ext>
+    </p:extLst>
+  </p:cSld>
+  <p:clrMapOvr>
+    <a:masterClrMapping/>
+  </p:clrMapOvr>
+</p:notes>
+</file>
+
+<file path=ppt/notesSlides/notesSlide2.xml><?xml version="1.0" encoding="utf-8"?>
+<p:notes xmlns:a="http://schemas.openxmlformats.org/drawingml/2006/main" xmlns:r="http://schemas.openxmlformats.org/officeDocument/2006/relationships" xmlns:p="http://schemas.openxmlformats.org/presentationml/2006/main">
+  <p:cSld>
+    <p:spTree>
+      <p:nvGrpSpPr>
+        <p:cNvPr id="1" name=""/>
+        <p:cNvGrpSpPr/>
+        <p:nvPr/>
+      </p:nvGrpSpPr>
+      <p:grpSpPr>
+        <a:xfrm>
+          <a:off x="0" y="0"/>
+          <a:ext cx="0" cy="0"/>
+          <a:chOff x="0" y="0"/>
+          <a:chExt cx="0" cy="0"/>
+        </a:xfrm>
+      </p:grpSpPr>
+      <p:sp>
+        <p:nvSpPr>
+          <p:cNvPr id="2" name="Slide Image Placeholder 1"/>
+          <p:cNvSpPr>
+            <a:spLocks noGrp="1" noRot="1" noChangeAspect="1"/>
+          </p:cNvSpPr>
+          <p:nvPr>
+            <p:ph type="sldImg"/>
+          </p:nvPr>
+        </p:nvSpPr>
+        <p:spPr/>
+      </p:sp>
+      <p:sp>
+        <p:nvSpPr>
+          <p:cNvPr id="3" name="Notes Placeholder 2"/>
+          <p:cNvSpPr>
+            <a:spLocks noGrp="1"/>
+          </p:cNvSpPr>
+          <p:nvPr>
+            <p:ph type="body" idx="1"/>
+          </p:nvPr>
+        </p:nvSpPr>
+        <p:spPr/>
+        <p:txBody>
+          <a:bodyPr/>
+          <a:lstStyle/>
+          <a:p>
+            <a:endParaRPr lang="en-IN" dirty="0"/>
+          </a:p>
+        </p:txBody>
+      </p:sp>
+      <p:sp>
+        <p:nvSpPr>
+          <p:cNvPr id="4" name="Slide Number Placeholder 3"/>
+          <p:cNvSpPr>
+            <a:spLocks noGrp="1"/>
+          </p:cNvSpPr>
+          <p:nvPr>
+            <p:ph type="sldNum" sz="quarter" idx="10"/>
+          </p:nvPr>
+        </p:nvSpPr>
+        <p:spPr/>
+        <p:txBody>
+          <a:bodyPr/>
+          <a:lstStyle/>
+          <a:p>
+            <a:fld id="{77B3BAF6-60DB-4AE6-8B77-0FF64CDE32B9}" type="slidenum">
+              <a:rPr lang="en-IN" smtClean="0"/>
+              <a:t>6</a:t>
+            </a:fld>
+            <a:endParaRPr lang="en-IN"/>
+          </a:p>
+        </p:txBody>
+      </p:sp>
+    </p:spTree>
+    <p:extLst>
+      <p:ext uri="{BB962C8B-B14F-4D97-AF65-F5344CB8AC3E}">
+        <p14:creationId xmlns:p14="http://schemas.microsoft.com/office/powerpoint/2010/main" val="2073707382"/>
+      </p:ext>
+    </p:extLst>
+  </p:cSld>
+  <p:clrMapOvr>
+    <a:masterClrMapping/>
+  </p:clrMapOvr>
+</p:notes>
+</file>
+
+<file path=ppt/notesSlides/notesSlide3.xml><?xml version="1.0" encoding="utf-8"?>
+<p:notes xmlns:a="http://schemas.openxmlformats.org/drawingml/2006/main" xmlns:r="http://schemas.openxmlformats.org/officeDocument/2006/relationships" xmlns:p="http://schemas.openxmlformats.org/presentationml/2006/main">
+  <p:cSld>
+    <p:spTree>
+      <p:nvGrpSpPr>
+        <p:cNvPr id="1" name=""/>
+        <p:cNvGrpSpPr/>
+        <p:nvPr/>
+      </p:nvGrpSpPr>
+      <p:grpSpPr>
+        <a:xfrm>
+          <a:off x="0" y="0"/>
+          <a:ext cx="0" cy="0"/>
+          <a:chOff x="0" y="0"/>
+          <a:chExt cx="0" cy="0"/>
+        </a:xfrm>
+      </p:grpSpPr>
+      <p:sp>
+        <p:nvSpPr>
+          <p:cNvPr id="2" name="Slide Image Placeholder 1"/>
+          <p:cNvSpPr>
+            <a:spLocks noGrp="1" noRot="1" noChangeAspect="1"/>
+          </p:cNvSpPr>
+          <p:nvPr>
+            <p:ph type="sldImg"/>
+          </p:nvPr>
+        </p:nvSpPr>
+        <p:spPr/>
+      </p:sp>
+      <p:sp>
+        <p:nvSpPr>
+          <p:cNvPr id="3" name="Notes Placeholder 2"/>
+          <p:cNvSpPr>
+            <a:spLocks noGrp="1"/>
+          </p:cNvSpPr>
+          <p:nvPr>
+            <p:ph type="body" idx="1"/>
+          </p:nvPr>
+        </p:nvSpPr>
+        <p:spPr/>
+        <p:txBody>
+          <a:bodyPr/>
+          <a:lstStyle/>
+          <a:p>
+            <a:endParaRPr lang="en-IN" dirty="0"/>
+          </a:p>
+        </p:txBody>
+      </p:sp>
+      <p:sp>
+        <p:nvSpPr>
+          <p:cNvPr id="4" name="Slide Number Placeholder 3"/>
+          <p:cNvSpPr>
+            <a:spLocks noGrp="1"/>
+          </p:cNvSpPr>
+          <p:nvPr>
+            <p:ph type="sldNum" sz="quarter" idx="10"/>
+          </p:nvPr>
+        </p:nvSpPr>
+        <p:spPr/>
+        <p:txBody>
+          <a:bodyPr/>
+          <a:lstStyle/>
+          <a:p>
+            <a:fld id="{77B3BAF6-60DB-4AE6-8B77-0FF64CDE32B9}" type="slidenum">
+              <a:rPr lang="en-IN" smtClean="0"/>
+              <a:t>7</a:t>
+            </a:fld>
+            <a:endParaRPr lang="en-IN"/>
+          </a:p>
+        </p:txBody>
+      </p:sp>
+    </p:spTree>
+    <p:extLst>
+      <p:ext uri="{BB962C8B-B14F-4D97-AF65-F5344CB8AC3E}">
+        <p14:creationId xmlns:p14="http://schemas.microsoft.com/office/powerpoint/2010/main" val="2073707382"/>
+      </p:ext>
+    </p:extLst>
+  </p:cSld>
+  <p:clrMapOvr>
+    <a:masterClrMapping/>
+  </p:clrMapOvr>
+</p:notes>
+</file>
+
+<file path=ppt/notesSlides/notesSlide4.xml><?xml version="1.0" encoding="utf-8"?>
+<p:notes xmlns:a="http://schemas.openxmlformats.org/drawingml/2006/main" xmlns:r="http://schemas.openxmlformats.org/officeDocument/2006/relationships" xmlns:p="http://schemas.openxmlformats.org/presentationml/2006/main">
+  <p:cSld>
+    <p:spTree>
+      <p:nvGrpSpPr>
+        <p:cNvPr id="1" name=""/>
+        <p:cNvGrpSpPr/>
+        <p:nvPr/>
+      </p:nvGrpSpPr>
+      <p:grpSpPr>
+        <a:xfrm>
+          <a:off x="0" y="0"/>
+          <a:ext cx="0" cy="0"/>
+          <a:chOff x="0" y="0"/>
+          <a:chExt cx="0" cy="0"/>
+        </a:xfrm>
+      </p:grpSpPr>
+      <p:sp>
+        <p:nvSpPr>
+          <p:cNvPr id="2" name="Slide Image Placeholder 1"/>
+          <p:cNvSpPr>
+            <a:spLocks noGrp="1" noRot="1" noChangeAspect="1"/>
+          </p:cNvSpPr>
+          <p:nvPr>
+            <p:ph type="sldImg"/>
+          </p:nvPr>
+        </p:nvSpPr>
+        <p:spPr/>
+      </p:sp>
+      <p:sp>
+        <p:nvSpPr>
+          <p:cNvPr id="3" name="Notes Placeholder 2"/>
+          <p:cNvSpPr>
+            <a:spLocks noGrp="1"/>
+          </p:cNvSpPr>
+          <p:nvPr>
+            <p:ph type="body" idx="1"/>
+          </p:nvPr>
+        </p:nvSpPr>
+        <p:spPr/>
+        <p:txBody>
+          <a:bodyPr/>
+          <a:lstStyle/>
+          <a:p>
+            <a:endParaRPr lang="en-IN" dirty="0"/>
+          </a:p>
+        </p:txBody>
+      </p:sp>
+      <p:sp>
+        <p:nvSpPr>
+          <p:cNvPr id="4" name="Slide Number Placeholder 3"/>
+          <p:cNvSpPr>
+            <a:spLocks noGrp="1"/>
+          </p:cNvSpPr>
+          <p:nvPr>
+            <p:ph type="sldNum" sz="quarter" idx="10"/>
+          </p:nvPr>
+        </p:nvSpPr>
+        <p:spPr/>
+        <p:txBody>
+          <a:bodyPr/>
+          <a:lstStyle/>
+          <a:p>
+            <a:fld id="{77B3BAF6-60DB-4AE6-8B77-0FF64CDE32B9}" type="slidenum">
+              <a:rPr lang="en-IN" smtClean="0"/>
+              <a:t>8</a:t>
+            </a:fld>
+            <a:endParaRPr lang="en-IN"/>
+          </a:p>
+        </p:txBody>
+      </p:sp>
+    </p:spTree>
+    <p:extLst>
+      <p:ext uri="{BB962C8B-B14F-4D97-AF65-F5344CB8AC3E}">
+        <p14:creationId xmlns:p14="http://schemas.microsoft.com/office/powerpoint/2010/main" val="2073707382"/>
+      </p:ext>
+    </p:extLst>
+  </p:cSld>
+  <p:clrMapOvr>
+    <a:masterClrMapping/>
+  </p:clrMapOvr>
+</p:notes>
+</file>
+
+<file path=ppt/notesSlides/notesSlide5.xml><?xml version="1.0" encoding="utf-8"?>
+<p:notes xmlns:a="http://schemas.openxmlformats.org/drawingml/2006/main" xmlns:r="http://schemas.openxmlformats.org/officeDocument/2006/relationships" xmlns:p="http://schemas.openxmlformats.org/presentationml/2006/main">
+  <p:cSld>
+    <p:spTree>
+      <p:nvGrpSpPr>
+        <p:cNvPr id="1" name=""/>
+        <p:cNvGrpSpPr/>
+        <p:nvPr/>
+      </p:nvGrpSpPr>
+      <p:grpSpPr>
+        <a:xfrm>
+          <a:off x="0" y="0"/>
+          <a:ext cx="0" cy="0"/>
+          <a:chOff x="0" y="0"/>
+          <a:chExt cx="0" cy="0"/>
+        </a:xfrm>
+      </p:grpSpPr>
+      <p:sp>
+        <p:nvSpPr>
+          <p:cNvPr id="2" name="Slide Image Placeholder 1"/>
+          <p:cNvSpPr>
+            <a:spLocks noGrp="1" noRot="1" noChangeAspect="1"/>
+          </p:cNvSpPr>
+          <p:nvPr>
+            <p:ph type="sldImg"/>
+          </p:nvPr>
+        </p:nvSpPr>
+        <p:spPr/>
+      </p:sp>
+      <p:sp>
+        <p:nvSpPr>
+          <p:cNvPr id="3" name="Notes Placeholder 2"/>
+          <p:cNvSpPr>
+            <a:spLocks noGrp="1"/>
+          </p:cNvSpPr>
+          <p:nvPr>
+            <p:ph type="body" idx="1"/>
+          </p:nvPr>
+        </p:nvSpPr>
+        <p:spPr/>
+        <p:txBody>
+          <a:bodyPr/>
+          <a:lstStyle/>
+          <a:p>
+            <a:endParaRPr lang="en-IN" dirty="0"/>
+          </a:p>
+        </p:txBody>
+      </p:sp>
+      <p:sp>
+        <p:nvSpPr>
+          <p:cNvPr id="4" name="Slide Number Placeholder 3"/>
+          <p:cNvSpPr>
+            <a:spLocks noGrp="1"/>
+          </p:cNvSpPr>
+          <p:nvPr>
+            <p:ph type="sldNum" sz="quarter" idx="10"/>
+          </p:nvPr>
+        </p:nvSpPr>
+        <p:spPr/>
+        <p:txBody>
+          <a:bodyPr/>
+          <a:lstStyle/>
+          <a:p>
+            <a:fld id="{77B3BAF6-60DB-4AE6-8B77-0FF64CDE32B9}" type="slidenum">
+              <a:rPr lang="en-IN" smtClean="0"/>
+              <a:t>9</a:t>
+            </a:fld>
+            <a:endParaRPr lang="en-IN"/>
+          </a:p>
+        </p:txBody>
+      </p:sp>
+    </p:spTree>
+    <p:extLst>
+      <p:ext uri="{BB962C8B-B14F-4D97-AF65-F5344CB8AC3E}">
+        <p14:creationId xmlns:p14="http://schemas.microsoft.com/office/powerpoint/2010/main" val="2073707382"/>
+      </p:ext>
+    </p:extLst>
+  </p:cSld>
+  <p:clrMapOvr>
+    <a:masterClrMapping/>
+  </p:clrMapOvr>
+</p:notes>
 </file>
 
 <file path=ppt/slideLayouts/slideLayout1.xml><?xml version="1.0" encoding="utf-8"?>
@@ -1088,7 +1516,7 @@
           <a:p>
             <a:fld id="{4425DEEF-1BE0-4D28-8612-2669634C709D}" type="datetimeFigureOut">
               <a:rPr lang="en-IN" smtClean="0"/>
-              <a:t>03-10-2021</a:t>
+              <a:t>04-10-2021</a:t>
             </a:fld>
             <a:endParaRPr lang="en-IN"/>
           </a:p>
@@ -1284,7 +1712,7 @@
           <a:p>
             <a:fld id="{4425DEEF-1BE0-4D28-8612-2669634C709D}" type="datetimeFigureOut">
               <a:rPr lang="en-IN" smtClean="0"/>
-              <a:t>03-10-2021</a:t>
+              <a:t>04-10-2021</a:t>
             </a:fld>
             <a:endParaRPr lang="en-IN"/>
           </a:p>
@@ -1469,7 +1897,7 @@
           <a:p>
             <a:fld id="{4425DEEF-1BE0-4D28-8612-2669634C709D}" type="datetimeFigureOut">
               <a:rPr lang="en-IN" smtClean="0"/>
-              <a:t>03-10-2021</a:t>
+              <a:t>04-10-2021</a:t>
             </a:fld>
             <a:endParaRPr lang="en-IN"/>
           </a:p>
@@ -1619,7 +2047,7 @@
           <a:p>
             <a:fld id="{4425DEEF-1BE0-4D28-8612-2669634C709D}" type="datetimeFigureOut">
               <a:rPr lang="en-IN" smtClean="0"/>
-              <a:t>03-10-2021</a:t>
+              <a:t>04-10-2021</a:t>
             </a:fld>
             <a:endParaRPr lang="en-IN"/>
           </a:p>
@@ -1874,7 +2302,7 @@
           <a:p>
             <a:fld id="{4425DEEF-1BE0-4D28-8612-2669634C709D}" type="datetimeFigureOut">
               <a:rPr lang="en-IN" smtClean="0"/>
-              <a:t>03-10-2021</a:t>
+              <a:t>04-10-2021</a:t>
             </a:fld>
             <a:endParaRPr lang="en-IN"/>
           </a:p>
@@ -2283,7 +2711,7 @@
           <a:p>
             <a:fld id="{4425DEEF-1BE0-4D28-8612-2669634C709D}" type="datetimeFigureOut">
               <a:rPr lang="en-IN" smtClean="0"/>
-              <a:t>03-10-2021</a:t>
+              <a:t>04-10-2021</a:t>
             </a:fld>
             <a:endParaRPr lang="en-IN"/>
           </a:p>
@@ -2729,7 +3157,7 @@
           <a:p>
             <a:fld id="{4425DEEF-1BE0-4D28-8612-2669634C709D}" type="datetimeFigureOut">
               <a:rPr lang="en-IN" smtClean="0"/>
-              <a:t>03-10-2021</a:t>
+              <a:t>04-10-2021</a:t>
             </a:fld>
             <a:endParaRPr lang="en-IN"/>
           </a:p>
@@ -2830,7 +3258,7 @@
           <a:p>
             <a:fld id="{4425DEEF-1BE0-4D28-8612-2669634C709D}" type="datetimeFigureOut">
               <a:rPr lang="en-IN" smtClean="0"/>
-              <a:t>03-10-2021</a:t>
+              <a:t>04-10-2021</a:t>
             </a:fld>
             <a:endParaRPr lang="en-IN"/>
           </a:p>
@@ -2951,7 +3379,7 @@
           <a:p>
             <a:fld id="{4425DEEF-1BE0-4D28-8612-2669634C709D}" type="datetimeFigureOut">
               <a:rPr lang="en-IN" smtClean="0"/>
-              <a:t>03-10-2021</a:t>
+              <a:t>04-10-2021</a:t>
             </a:fld>
             <a:endParaRPr lang="en-IN"/>
           </a:p>
@@ -3225,7 +3653,7 @@
           <a:p>
             <a:fld id="{4425DEEF-1BE0-4D28-8612-2669634C709D}" type="datetimeFigureOut">
               <a:rPr lang="en-IN" smtClean="0"/>
-              <a:t>03-10-2021</a:t>
+              <a:t>04-10-2021</a:t>
             </a:fld>
             <a:endParaRPr lang="en-IN"/>
           </a:p>
@@ -3430,7 +3858,7 @@
           <a:p>
             <a:fld id="{4425DEEF-1BE0-4D28-8612-2669634C709D}" type="datetimeFigureOut">
               <a:rPr lang="en-IN" smtClean="0"/>
-              <a:t>03-10-2021</a:t>
+              <a:t>04-10-2021</a:t>
             </a:fld>
             <a:endParaRPr lang="en-IN"/>
           </a:p>
@@ -4539,7 +4967,7 @@
           <a:p>
             <a:fld id="{4425DEEF-1BE0-4D28-8612-2669634C709D}" type="datetimeFigureOut">
               <a:rPr lang="en-IN" smtClean="0"/>
-              <a:t>03-10-2021</a:t>
+              <a:t>04-10-2021</a:t>
             </a:fld>
             <a:endParaRPr lang="en-IN"/>
           </a:p>
@@ -5018,21 +5446,8 @@
                   <a:schemeClr val="tx1"/>
                 </a:solidFill>
               </a:rPr>
-              <a:t>Lesson </a:t>
-            </a:r>
-            <a:r>
-              <a:rPr lang="en-IN" dirty="0" smtClean="0">
-                <a:solidFill>
-                  <a:schemeClr val="tx1"/>
-                </a:solidFill>
-              </a:rPr>
-              <a:t>6</a:t>
-            </a:r>
-            <a:endParaRPr lang="en-IN" dirty="0" smtClean="0">
-              <a:solidFill>
-                <a:schemeClr val="tx1"/>
-              </a:solidFill>
-            </a:endParaRPr>
+              <a:t>Lesson 6</a:t>
+            </a:r>
           </a:p>
           <a:p>
             <a:pPr algn="l"/>
@@ -5130,6 +5545,317 @@
     <p:extLst>
       <p:ext uri="{BB962C8B-B14F-4D97-AF65-F5344CB8AC3E}">
         <p14:creationId xmlns:p14="http://schemas.microsoft.com/office/powerpoint/2010/main" val="4030007335"/>
+      </p:ext>
+    </p:extLst>
+  </p:cSld>
+  <p:clrMapOvr>
+    <a:masterClrMapping/>
+  </p:clrMapOvr>
+  <p:timing>
+    <p:tnLst>
+      <p:par>
+        <p:cTn id="1" dur="indefinite" restart="never" nodeType="tmRoot"/>
+      </p:par>
+    </p:tnLst>
+  </p:timing>
+</p:sld>
+</file>
+
+<file path=ppt/slides/slide10.xml><?xml version="1.0" encoding="utf-8"?>
+<p:sld xmlns:a="http://schemas.openxmlformats.org/drawingml/2006/main" xmlns:r="http://schemas.openxmlformats.org/officeDocument/2006/relationships" xmlns:p="http://schemas.openxmlformats.org/presentationml/2006/main">
+  <p:cSld>
+    <p:spTree>
+      <p:nvGrpSpPr>
+        <p:cNvPr id="1" name=""/>
+        <p:cNvGrpSpPr/>
+        <p:nvPr/>
+      </p:nvGrpSpPr>
+      <p:grpSpPr>
+        <a:xfrm>
+          <a:off x="0" y="0"/>
+          <a:ext cx="0" cy="0"/>
+          <a:chOff x="0" y="0"/>
+          <a:chExt cx="0" cy="0"/>
+        </a:xfrm>
+      </p:grpSpPr>
+      <p:sp>
+        <p:nvSpPr>
+          <p:cNvPr id="3" name="Content Placeholder 2"/>
+          <p:cNvSpPr>
+            <a:spLocks noGrp="1"/>
+          </p:cNvSpPr>
+          <p:nvPr>
+            <p:ph idx="1"/>
+          </p:nvPr>
+        </p:nvSpPr>
+        <p:spPr/>
+        <p:txBody>
+          <a:bodyPr/>
+          <a:lstStyle/>
+          <a:p>
+            <a:pPr marL="109728" indent="0" algn="just">
+              <a:buNone/>
+            </a:pPr>
+            <a:r>
+              <a:rPr lang="en-US" dirty="0"/>
+              <a:t>An inline element is an element that's width and height are determined by the content it contains. Inline elements, such as a &lt;span&gt; , will completely ignore the width and height as well the </a:t>
+            </a:r>
+            <a:r>
+              <a:rPr lang="en-US" dirty="0" err="1"/>
+              <a:t>the</a:t>
+            </a:r>
+            <a:r>
+              <a:rPr lang="en-US" dirty="0"/>
+              <a:t> top and bottom margin properties because, </a:t>
+            </a:r>
+            <a:r>
+              <a:rPr lang="en-US" dirty="0" smtClean="0"/>
+              <a:t>the </a:t>
+            </a:r>
+            <a:r>
+              <a:rPr lang="en-US" dirty="0"/>
+              <a:t>content is what determines the dimensions.</a:t>
+            </a:r>
+            <a:endParaRPr lang="en-IN" dirty="0">
+              <a:solidFill>
+                <a:srgbClr val="FF0000"/>
+              </a:solidFill>
+            </a:endParaRPr>
+          </a:p>
+          <a:p>
+            <a:pPr marL="109728" indent="0" algn="just">
+              <a:buNone/>
+            </a:pPr>
+            <a:endParaRPr lang="en-IN" dirty="0"/>
+          </a:p>
+        </p:txBody>
+      </p:sp>
+      <p:sp>
+        <p:nvSpPr>
+          <p:cNvPr id="2" name="Title 1"/>
+          <p:cNvSpPr>
+            <a:spLocks noGrp="1"/>
+          </p:cNvSpPr>
+          <p:nvPr>
+            <p:ph type="title"/>
+          </p:nvPr>
+        </p:nvSpPr>
+        <p:spPr/>
+        <p:txBody>
+          <a:bodyPr>
+            <a:normAutofit/>
+          </a:bodyPr>
+          <a:lstStyle/>
+          <a:p>
+            <a:r>
+              <a:rPr lang="en-IN" sz="3600" dirty="0" smtClean="0"/>
+              <a:t>Height and width of inline elements</a:t>
+            </a:r>
+            <a:endParaRPr lang="en-IN" sz="3600" dirty="0"/>
+          </a:p>
+        </p:txBody>
+      </p:sp>
+    </p:spTree>
+    <p:extLst>
+      <p:ext uri="{BB962C8B-B14F-4D97-AF65-F5344CB8AC3E}">
+        <p14:creationId xmlns:p14="http://schemas.microsoft.com/office/powerpoint/2010/main" val="2753695752"/>
+      </p:ext>
+    </p:extLst>
+  </p:cSld>
+  <p:clrMapOvr>
+    <a:masterClrMapping/>
+  </p:clrMapOvr>
+  <p:timing>
+    <p:tnLst>
+      <p:par>
+        <p:cTn id="1" dur="indefinite" restart="never" nodeType="tmRoot"/>
+      </p:par>
+    </p:tnLst>
+  </p:timing>
+</p:sld>
+</file>
+
+<file path=ppt/slides/slide11.xml><?xml version="1.0" encoding="utf-8"?>
+<p:sld xmlns:a="http://schemas.openxmlformats.org/drawingml/2006/main" xmlns:r="http://schemas.openxmlformats.org/officeDocument/2006/relationships" xmlns:p="http://schemas.openxmlformats.org/presentationml/2006/main">
+  <p:cSld>
+    <p:spTree>
+      <p:nvGrpSpPr>
+        <p:cNvPr id="1" name=""/>
+        <p:cNvGrpSpPr/>
+        <p:nvPr/>
+      </p:nvGrpSpPr>
+      <p:grpSpPr>
+        <a:xfrm>
+          <a:off x="0" y="0"/>
+          <a:ext cx="0" cy="0"/>
+          <a:chOff x="0" y="0"/>
+          <a:chExt cx="0" cy="0"/>
+        </a:xfrm>
+      </p:grpSpPr>
+      <p:sp>
+        <p:nvSpPr>
+          <p:cNvPr id="3" name="Content Placeholder 2"/>
+          <p:cNvSpPr>
+            <a:spLocks noGrp="1"/>
+          </p:cNvSpPr>
+          <p:nvPr>
+            <p:ph idx="1"/>
+          </p:nvPr>
+        </p:nvSpPr>
+        <p:spPr/>
+        <p:txBody>
+          <a:bodyPr>
+            <a:normAutofit fontScale="92500" lnSpcReduction="10000"/>
+          </a:bodyPr>
+          <a:lstStyle/>
+          <a:p>
+            <a:pPr algn="just"/>
+            <a:r>
+              <a:rPr lang="en-US" dirty="0"/>
+              <a:t>The value of said property is adjusted </a:t>
+            </a:r>
+            <a:r>
+              <a:rPr lang="en-US" b="1" dirty="0"/>
+              <a:t>automatically</a:t>
+            </a:r>
+            <a:r>
+              <a:rPr lang="en-US" dirty="0"/>
+              <a:t> according to the content or the context of the element.</a:t>
+            </a:r>
+          </a:p>
+          <a:p>
+            <a:pPr algn="just"/>
+            <a:r>
+              <a:rPr lang="en-US" dirty="0"/>
+              <a:t>For example, a block-level element with height: auto will grow taller as it contains more text. For another example, a block element with margin: 0 auto will have the left and right margins increased until it becomes centered along the y-axis of the viewport.</a:t>
+            </a:r>
+          </a:p>
+          <a:p>
+            <a:pPr algn="just"/>
+            <a:r>
+              <a:rPr lang="en-US" dirty="0"/>
+              <a:t>It really depends on the property you give the value to, different properties behave differently depending on the content and context.</a:t>
+            </a:r>
+          </a:p>
+        </p:txBody>
+      </p:sp>
+      <p:sp>
+        <p:nvSpPr>
+          <p:cNvPr id="2" name="Title 1"/>
+          <p:cNvSpPr>
+            <a:spLocks noGrp="1"/>
+          </p:cNvSpPr>
+          <p:nvPr>
+            <p:ph type="title"/>
+          </p:nvPr>
+        </p:nvSpPr>
+        <p:spPr/>
+        <p:txBody>
+          <a:bodyPr>
+            <a:normAutofit/>
+          </a:bodyPr>
+          <a:lstStyle/>
+          <a:p>
+            <a:r>
+              <a:rPr lang="en-IN" dirty="0" smtClean="0"/>
+              <a:t>What is Auto value in CSS</a:t>
+            </a:r>
+            <a:endParaRPr lang="en-IN" dirty="0"/>
+          </a:p>
+        </p:txBody>
+      </p:sp>
+    </p:spTree>
+    <p:extLst>
+      <p:ext uri="{BB962C8B-B14F-4D97-AF65-F5344CB8AC3E}">
+        <p14:creationId xmlns:p14="http://schemas.microsoft.com/office/powerpoint/2010/main" val="2691806390"/>
+      </p:ext>
+    </p:extLst>
+  </p:cSld>
+  <p:clrMapOvr>
+    <a:masterClrMapping/>
+  </p:clrMapOvr>
+  <p:timing>
+    <p:tnLst>
+      <p:par>
+        <p:cTn id="1" dur="indefinite" restart="never" nodeType="tmRoot"/>
+      </p:par>
+    </p:tnLst>
+  </p:timing>
+</p:sld>
+</file>
+
+<file path=ppt/slides/slide12.xml><?xml version="1.0" encoding="utf-8"?>
+<p:sld xmlns:a="http://schemas.openxmlformats.org/drawingml/2006/main" xmlns:r="http://schemas.openxmlformats.org/officeDocument/2006/relationships" xmlns:p="http://schemas.openxmlformats.org/presentationml/2006/main">
+  <p:cSld>
+    <p:spTree>
+      <p:nvGrpSpPr>
+        <p:cNvPr id="1" name=""/>
+        <p:cNvGrpSpPr/>
+        <p:nvPr/>
+      </p:nvGrpSpPr>
+      <p:grpSpPr>
+        <a:xfrm>
+          <a:off x="0" y="0"/>
+          <a:ext cx="0" cy="0"/>
+          <a:chOff x="0" y="0"/>
+          <a:chExt cx="0" cy="0"/>
+        </a:xfrm>
+      </p:grpSpPr>
+      <p:sp>
+        <p:nvSpPr>
+          <p:cNvPr id="3" name="Content Placeholder 2"/>
+          <p:cNvSpPr>
+            <a:spLocks noGrp="1"/>
+          </p:cNvSpPr>
+          <p:nvPr>
+            <p:ph idx="1"/>
+          </p:nvPr>
+        </p:nvSpPr>
+        <p:spPr/>
+        <p:txBody>
+          <a:bodyPr/>
+          <a:lstStyle/>
+          <a:p>
+            <a:pPr marL="109728" indent="0" algn="just">
+              <a:buNone/>
+            </a:pPr>
+            <a:r>
+              <a:rPr lang="en-IN" dirty="0" smtClean="0"/>
+              <a:t>If you like this video please share and subscribe. Please comment your suggestions.  </a:t>
+            </a:r>
+            <a:endParaRPr lang="en-IN" dirty="0"/>
+          </a:p>
+        </p:txBody>
+      </p:sp>
+      <p:sp>
+        <p:nvSpPr>
+          <p:cNvPr id="2" name="Title 1"/>
+          <p:cNvSpPr>
+            <a:spLocks noGrp="1"/>
+          </p:cNvSpPr>
+          <p:nvPr>
+            <p:ph type="title"/>
+          </p:nvPr>
+        </p:nvSpPr>
+        <p:spPr/>
+        <p:txBody>
+          <a:bodyPr>
+            <a:normAutofit/>
+          </a:bodyPr>
+          <a:lstStyle/>
+          <a:p>
+            <a:r>
+              <a:rPr lang="en-IN" dirty="0" smtClean="0"/>
+              <a:t>Thank you for watching!</a:t>
+            </a:r>
+            <a:endParaRPr lang="en-IN" dirty="0"/>
+          </a:p>
+        </p:txBody>
+      </p:sp>
+    </p:spTree>
+    <p:extLst>
+      <p:ext uri="{BB962C8B-B14F-4D97-AF65-F5344CB8AC3E}">
+        <p14:creationId xmlns:p14="http://schemas.microsoft.com/office/powerpoint/2010/main" val="327709308"/>
       </p:ext>
     </p:extLst>
   </p:cSld>
@@ -5182,11 +5908,7 @@
           <a:p>
             <a:r>
               <a:rPr lang="en-IN" dirty="0" smtClean="0"/>
-              <a:t>What </a:t>
-            </a:r>
-            <a:r>
-              <a:rPr lang="en-IN" dirty="0" smtClean="0"/>
-              <a:t>is height and width in </a:t>
+              <a:t>What is height and width in </a:t>
             </a:r>
             <a:r>
               <a:rPr lang="en-IN" dirty="0" err="1" smtClean="0"/>
@@ -5196,21 +5918,18 @@
               <a:rPr lang="en-IN" dirty="0" smtClean="0"/>
               <a:t>?</a:t>
             </a:r>
-            <a:endParaRPr lang="en-IN" dirty="0" smtClean="0"/>
           </a:p>
           <a:p>
             <a:r>
               <a:rPr lang="en-IN" dirty="0" smtClean="0"/>
               <a:t>Height property</a:t>
             </a:r>
-            <a:endParaRPr lang="en-IN" dirty="0" smtClean="0"/>
           </a:p>
           <a:p>
             <a:r>
               <a:rPr lang="en-IN" dirty="0" smtClean="0"/>
               <a:t>Width property</a:t>
             </a:r>
-            <a:endParaRPr lang="en-IN" dirty="0" smtClean="0"/>
           </a:p>
           <a:p>
             <a:r>
@@ -5223,7 +5942,6 @@
               <a:rPr lang="en-IN" dirty="0" smtClean="0"/>
               <a:t>Max-height property</a:t>
             </a:r>
-            <a:endParaRPr lang="en-IN" dirty="0" smtClean="0"/>
           </a:p>
           <a:p>
             <a:r>
@@ -5236,7 +5954,6 @@
               <a:rPr lang="en-IN" dirty="0" smtClean="0"/>
               <a:t>Max-width property</a:t>
             </a:r>
-            <a:endParaRPr lang="en-IN" dirty="0" smtClean="0"/>
           </a:p>
           <a:p>
             <a:endParaRPr lang="en-IN" dirty="0" smtClean="0"/>
@@ -5536,9 +6253,85 @@
               <a:buNone/>
             </a:pPr>
             <a:r>
-              <a:rPr lang="en-IN" dirty="0" smtClean="0"/>
-              <a:t>If you like this video please share and subscribe. Please comment your suggestions.  </a:t>
-            </a:r>
+              <a:rPr lang="en-US" dirty="0" smtClean="0"/>
+              <a:t>The height property is used to set an element's height. This property does not include </a:t>
+            </a:r>
+            <a:r>
+              <a:rPr lang="en-US" dirty="0" smtClean="0">
+                <a:hlinkClick r:id="rId2"/>
+              </a:rPr>
+              <a:t>padding</a:t>
+            </a:r>
+            <a:r>
+              <a:rPr lang="en-US" dirty="0" smtClean="0"/>
+              <a:t>, </a:t>
+            </a:r>
+            <a:r>
+              <a:rPr lang="en-US" dirty="0" smtClean="0">
+                <a:hlinkClick r:id="rId3"/>
+              </a:rPr>
+              <a:t>borders</a:t>
+            </a:r>
+            <a:r>
+              <a:rPr lang="en-US" dirty="0" smtClean="0"/>
+              <a:t>, or </a:t>
+            </a:r>
+            <a:r>
+              <a:rPr lang="en-US" dirty="0" smtClean="0">
+                <a:hlinkClick r:id="rId4"/>
+              </a:rPr>
+              <a:t>margins</a:t>
+            </a:r>
+            <a:r>
+              <a:rPr lang="en-US" dirty="0" smtClean="0"/>
+              <a:t>. The height property can be specified by "px", "cm", "vh" or by percentages. The default value is "auto".  You can specify height of a element using the following syntax</a:t>
+            </a:r>
+          </a:p>
+          <a:p>
+            <a:pPr marL="109728" indent="0" algn="just">
+              <a:buNone/>
+            </a:pPr>
+            <a:r>
+              <a:rPr lang="en-IN" dirty="0">
+                <a:solidFill>
+                  <a:srgbClr val="FF0000"/>
+                </a:solidFill>
+              </a:rPr>
+              <a:t>height: 40px</a:t>
+            </a:r>
+            <a:r>
+              <a:rPr lang="en-IN" dirty="0" smtClean="0">
+                <a:solidFill>
+                  <a:srgbClr val="FF0000"/>
+                </a:solidFill>
+              </a:rPr>
+              <a:t>;</a:t>
+            </a:r>
+          </a:p>
+          <a:p>
+            <a:pPr marL="109728" indent="0" algn="just">
+              <a:buNone/>
+            </a:pPr>
+            <a:endParaRPr lang="en-IN" dirty="0" smtClean="0">
+              <a:solidFill>
+                <a:srgbClr val="FF0000"/>
+              </a:solidFill>
+            </a:endParaRPr>
+          </a:p>
+          <a:p>
+            <a:pPr marL="109728" indent="0" algn="just">
+              <a:buNone/>
+            </a:pPr>
+            <a:endParaRPr lang="en-IN" dirty="0">
+              <a:solidFill>
+                <a:srgbClr val="FF0000"/>
+              </a:solidFill>
+            </a:endParaRPr>
+          </a:p>
+          <a:p>
+            <a:pPr marL="109728" indent="0" algn="just">
+              <a:buNone/>
+            </a:pPr>
             <a:endParaRPr lang="en-IN" dirty="0"/>
           </a:p>
         </p:txBody>
@@ -5562,7 +6355,7 @@
           <a:p>
             <a:r>
               <a:rPr lang="en-IN" dirty="0" smtClean="0"/>
-              <a:t>Thank you for watching!</a:t>
+              <a:t>CSS Height</a:t>
             </a:r>
             <a:endParaRPr lang="en-IN" dirty="0"/>
           </a:p>
@@ -5572,6 +6365,805 @@
     <p:extLst>
       <p:ext uri="{BB962C8B-B14F-4D97-AF65-F5344CB8AC3E}">
         <p14:creationId xmlns:p14="http://schemas.microsoft.com/office/powerpoint/2010/main" val="4141508271"/>
+      </p:ext>
+    </p:extLst>
+  </p:cSld>
+  <p:clrMapOvr>
+    <a:masterClrMapping/>
+  </p:clrMapOvr>
+  <p:timing>
+    <p:tnLst>
+      <p:par>
+        <p:cTn id="1" dur="indefinite" restart="never" nodeType="tmRoot"/>
+      </p:par>
+    </p:tnLst>
+  </p:timing>
+</p:sld>
+</file>
+
+<file path=ppt/slides/slide5.xml><?xml version="1.0" encoding="utf-8"?>
+<p:sld xmlns:a="http://schemas.openxmlformats.org/drawingml/2006/main" xmlns:r="http://schemas.openxmlformats.org/officeDocument/2006/relationships" xmlns:p="http://schemas.openxmlformats.org/presentationml/2006/main">
+  <p:cSld>
+    <p:spTree>
+      <p:nvGrpSpPr>
+        <p:cNvPr id="1" name=""/>
+        <p:cNvGrpSpPr/>
+        <p:nvPr/>
+      </p:nvGrpSpPr>
+      <p:grpSpPr>
+        <a:xfrm>
+          <a:off x="0" y="0"/>
+          <a:ext cx="0" cy="0"/>
+          <a:chOff x="0" y="0"/>
+          <a:chExt cx="0" cy="0"/>
+        </a:xfrm>
+      </p:grpSpPr>
+      <p:sp>
+        <p:nvSpPr>
+          <p:cNvPr id="3" name="Content Placeholder 2"/>
+          <p:cNvSpPr>
+            <a:spLocks noGrp="1"/>
+          </p:cNvSpPr>
+          <p:nvPr>
+            <p:ph idx="1"/>
+          </p:nvPr>
+        </p:nvSpPr>
+        <p:spPr/>
+        <p:txBody>
+          <a:bodyPr>
+            <a:normAutofit lnSpcReduction="10000"/>
+          </a:bodyPr>
+          <a:lstStyle/>
+          <a:p>
+            <a:pPr algn="just"/>
+            <a:r>
+              <a:rPr lang="en-US" dirty="0"/>
+              <a:t>The min-height property </a:t>
+            </a:r>
+            <a:r>
+              <a:rPr lang="en-US" b="1" dirty="0"/>
+              <a:t>defines the minimum height of an element</a:t>
+            </a:r>
+            <a:r>
+              <a:rPr lang="en-US" dirty="0"/>
+              <a:t>. If the content is smaller than the minimum height, the minimum height will be applied. If the content is larger than the minimum height, the min-height property has no effect</a:t>
+            </a:r>
+            <a:r>
+              <a:rPr lang="en-US" dirty="0" smtClean="0"/>
+              <a:t>. If the height is 200px and min-height is 300px, the height of the element will be 300px</a:t>
+            </a:r>
+          </a:p>
+          <a:p>
+            <a:pPr algn="just"/>
+            <a:r>
+              <a:rPr lang="en-US" dirty="0" smtClean="0">
+                <a:solidFill>
+                  <a:srgbClr val="FF0000"/>
+                </a:solidFill>
+              </a:rPr>
+              <a:t>Min-height:300px;</a:t>
+            </a:r>
+            <a:endParaRPr lang="en-US" dirty="0">
+              <a:solidFill>
+                <a:srgbClr val="FF0000"/>
+              </a:solidFill>
+            </a:endParaRPr>
+          </a:p>
+          <a:p>
+            <a:pPr algn="just"/>
+            <a:r>
+              <a:rPr lang="en-US" dirty="0">
+                <a:hlinkClick r:id="rId3"/>
+              </a:rPr>
+              <a:t/>
+            </a:r>
+            <a:br>
+              <a:rPr lang="en-US" dirty="0">
+                <a:hlinkClick r:id="rId3"/>
+              </a:rPr>
+            </a:br>
+            <a:endParaRPr lang="en-US" dirty="0"/>
+          </a:p>
+          <a:p>
+            <a:pPr marL="109728" indent="0" algn="just">
+              <a:buNone/>
+            </a:pPr>
+            <a:endParaRPr lang="en-IN" dirty="0" smtClean="0">
+              <a:solidFill>
+                <a:srgbClr val="FF0000"/>
+              </a:solidFill>
+            </a:endParaRPr>
+          </a:p>
+          <a:p>
+            <a:pPr marL="109728" indent="0" algn="just">
+              <a:buNone/>
+            </a:pPr>
+            <a:endParaRPr lang="en-IN" dirty="0">
+              <a:solidFill>
+                <a:srgbClr val="FF0000"/>
+              </a:solidFill>
+            </a:endParaRPr>
+          </a:p>
+          <a:p>
+            <a:pPr marL="109728" indent="0" algn="just">
+              <a:buNone/>
+            </a:pPr>
+            <a:endParaRPr lang="en-IN" dirty="0"/>
+          </a:p>
+        </p:txBody>
+      </p:sp>
+      <p:sp>
+        <p:nvSpPr>
+          <p:cNvPr id="2" name="Title 1"/>
+          <p:cNvSpPr>
+            <a:spLocks noGrp="1"/>
+          </p:cNvSpPr>
+          <p:nvPr>
+            <p:ph type="title"/>
+          </p:nvPr>
+        </p:nvSpPr>
+        <p:spPr/>
+        <p:txBody>
+          <a:bodyPr>
+            <a:normAutofit/>
+          </a:bodyPr>
+          <a:lstStyle/>
+          <a:p>
+            <a:r>
+              <a:rPr lang="en-IN" dirty="0" smtClean="0"/>
+              <a:t>CSS min-height</a:t>
+            </a:r>
+            <a:endParaRPr lang="en-IN" dirty="0"/>
+          </a:p>
+        </p:txBody>
+      </p:sp>
+    </p:spTree>
+    <p:extLst>
+      <p:ext uri="{BB962C8B-B14F-4D97-AF65-F5344CB8AC3E}">
+        <p14:creationId xmlns:p14="http://schemas.microsoft.com/office/powerpoint/2010/main" val="4257392520"/>
+      </p:ext>
+    </p:extLst>
+  </p:cSld>
+  <p:clrMapOvr>
+    <a:masterClrMapping/>
+  </p:clrMapOvr>
+  <p:timing>
+    <p:tnLst>
+      <p:par>
+        <p:cTn id="1" dur="indefinite" restart="never" nodeType="tmRoot"/>
+      </p:par>
+    </p:tnLst>
+  </p:timing>
+</p:sld>
+</file>
+
+<file path=ppt/slides/slide6.xml><?xml version="1.0" encoding="utf-8"?>
+<p:sld xmlns:a="http://schemas.openxmlformats.org/drawingml/2006/main" xmlns:r="http://schemas.openxmlformats.org/officeDocument/2006/relationships" xmlns:p="http://schemas.openxmlformats.org/presentationml/2006/main">
+  <p:cSld>
+    <p:spTree>
+      <p:nvGrpSpPr>
+        <p:cNvPr id="1" name=""/>
+        <p:cNvGrpSpPr/>
+        <p:nvPr/>
+      </p:nvGrpSpPr>
+      <p:grpSpPr>
+        <a:xfrm>
+          <a:off x="0" y="0"/>
+          <a:ext cx="0" cy="0"/>
+          <a:chOff x="0" y="0"/>
+          <a:chExt cx="0" cy="0"/>
+        </a:xfrm>
+      </p:grpSpPr>
+      <p:sp>
+        <p:nvSpPr>
+          <p:cNvPr id="3" name="Content Placeholder 2"/>
+          <p:cNvSpPr>
+            <a:spLocks noGrp="1"/>
+          </p:cNvSpPr>
+          <p:nvPr>
+            <p:ph idx="1"/>
+          </p:nvPr>
+        </p:nvSpPr>
+        <p:spPr/>
+        <p:txBody>
+          <a:bodyPr>
+            <a:normAutofit lnSpcReduction="10000"/>
+          </a:bodyPr>
+          <a:lstStyle/>
+          <a:p>
+            <a:pPr algn="just"/>
+            <a:r>
+              <a:rPr lang="en-US" dirty="0"/>
+              <a:t>The </a:t>
+            </a:r>
+            <a:r>
+              <a:rPr lang="en-US" dirty="0" smtClean="0"/>
+              <a:t>max-height </a:t>
+            </a:r>
+            <a:r>
+              <a:rPr lang="en-US" dirty="0"/>
+              <a:t>property </a:t>
+            </a:r>
+            <a:r>
+              <a:rPr lang="en-US" b="1" dirty="0"/>
+              <a:t>defines the </a:t>
+            </a:r>
+            <a:r>
+              <a:rPr lang="en-US" b="1" dirty="0" smtClean="0"/>
+              <a:t>maximum height </a:t>
+            </a:r>
+            <a:r>
+              <a:rPr lang="en-US" b="1" dirty="0"/>
+              <a:t>of an element</a:t>
+            </a:r>
+            <a:r>
+              <a:rPr lang="en-US" dirty="0"/>
+              <a:t>. If the content is </a:t>
+            </a:r>
+            <a:r>
+              <a:rPr lang="en-US" dirty="0" smtClean="0"/>
+              <a:t>larger than </a:t>
+            </a:r>
+            <a:r>
+              <a:rPr lang="en-US" dirty="0"/>
+              <a:t>the </a:t>
+            </a:r>
+            <a:r>
+              <a:rPr lang="en-US" dirty="0" smtClean="0"/>
+              <a:t>maximum height</a:t>
+            </a:r>
+            <a:r>
+              <a:rPr lang="en-US" dirty="0"/>
+              <a:t>, the </a:t>
+            </a:r>
+            <a:r>
+              <a:rPr lang="en-US" dirty="0" smtClean="0"/>
+              <a:t>maximum height </a:t>
+            </a:r>
+            <a:r>
+              <a:rPr lang="en-US" dirty="0"/>
+              <a:t>will be applied. If the content is </a:t>
+            </a:r>
+            <a:r>
+              <a:rPr lang="en-US" dirty="0" smtClean="0"/>
+              <a:t>small than </a:t>
+            </a:r>
+            <a:r>
+              <a:rPr lang="en-US" dirty="0"/>
+              <a:t>the </a:t>
+            </a:r>
+            <a:r>
+              <a:rPr lang="en-US" dirty="0" smtClean="0"/>
+              <a:t>maximum height</a:t>
+            </a:r>
+            <a:r>
+              <a:rPr lang="en-US" dirty="0"/>
+              <a:t>, the </a:t>
+            </a:r>
+            <a:r>
+              <a:rPr lang="en-US" dirty="0" smtClean="0"/>
+              <a:t>max-height </a:t>
+            </a:r>
+            <a:r>
+              <a:rPr lang="en-US" dirty="0"/>
+              <a:t>property has no effect</a:t>
+            </a:r>
+            <a:r>
+              <a:rPr lang="en-US" dirty="0" smtClean="0"/>
+              <a:t>. If the height is 200px and min-height is 100px, the height of the element will be 100px</a:t>
+            </a:r>
+          </a:p>
+          <a:p>
+            <a:pPr algn="just"/>
+            <a:r>
+              <a:rPr lang="en-US" dirty="0" smtClean="0">
+                <a:solidFill>
+                  <a:srgbClr val="FF0000"/>
+                </a:solidFill>
+              </a:rPr>
+              <a:t>max-height:100px;</a:t>
+            </a:r>
+            <a:endParaRPr lang="en-US" dirty="0">
+              <a:solidFill>
+                <a:srgbClr val="FF0000"/>
+              </a:solidFill>
+            </a:endParaRPr>
+          </a:p>
+          <a:p>
+            <a:pPr algn="just"/>
+            <a:r>
+              <a:rPr lang="en-US" dirty="0">
+                <a:hlinkClick r:id="rId3"/>
+              </a:rPr>
+              <a:t/>
+            </a:r>
+            <a:br>
+              <a:rPr lang="en-US" dirty="0">
+                <a:hlinkClick r:id="rId3"/>
+              </a:rPr>
+            </a:br>
+            <a:endParaRPr lang="en-US" dirty="0"/>
+          </a:p>
+          <a:p>
+            <a:pPr marL="109728" indent="0" algn="just">
+              <a:buNone/>
+            </a:pPr>
+            <a:endParaRPr lang="en-IN" dirty="0" smtClean="0">
+              <a:solidFill>
+                <a:srgbClr val="FF0000"/>
+              </a:solidFill>
+            </a:endParaRPr>
+          </a:p>
+          <a:p>
+            <a:pPr marL="109728" indent="0" algn="just">
+              <a:buNone/>
+            </a:pPr>
+            <a:endParaRPr lang="en-IN" dirty="0">
+              <a:solidFill>
+                <a:srgbClr val="FF0000"/>
+              </a:solidFill>
+            </a:endParaRPr>
+          </a:p>
+          <a:p>
+            <a:pPr marL="109728" indent="0" algn="just">
+              <a:buNone/>
+            </a:pPr>
+            <a:endParaRPr lang="en-IN" dirty="0"/>
+          </a:p>
+        </p:txBody>
+      </p:sp>
+      <p:sp>
+        <p:nvSpPr>
+          <p:cNvPr id="2" name="Title 1"/>
+          <p:cNvSpPr>
+            <a:spLocks noGrp="1"/>
+          </p:cNvSpPr>
+          <p:nvPr>
+            <p:ph type="title"/>
+          </p:nvPr>
+        </p:nvSpPr>
+        <p:spPr/>
+        <p:txBody>
+          <a:bodyPr>
+            <a:normAutofit/>
+          </a:bodyPr>
+          <a:lstStyle/>
+          <a:p>
+            <a:r>
+              <a:rPr lang="en-IN" dirty="0" smtClean="0"/>
+              <a:t>CSS max-height</a:t>
+            </a:r>
+            <a:endParaRPr lang="en-IN" dirty="0"/>
+          </a:p>
+        </p:txBody>
+      </p:sp>
+    </p:spTree>
+    <p:extLst>
+      <p:ext uri="{BB962C8B-B14F-4D97-AF65-F5344CB8AC3E}">
+        <p14:creationId xmlns:p14="http://schemas.microsoft.com/office/powerpoint/2010/main" val="2323737383"/>
+      </p:ext>
+    </p:extLst>
+  </p:cSld>
+  <p:clrMapOvr>
+    <a:masterClrMapping/>
+  </p:clrMapOvr>
+  <p:timing>
+    <p:tnLst>
+      <p:par>
+        <p:cTn id="1" dur="indefinite" restart="never" nodeType="tmRoot"/>
+      </p:par>
+    </p:tnLst>
+  </p:timing>
+</p:sld>
+</file>
+
+<file path=ppt/slides/slide7.xml><?xml version="1.0" encoding="utf-8"?>
+<p:sld xmlns:a="http://schemas.openxmlformats.org/drawingml/2006/main" xmlns:r="http://schemas.openxmlformats.org/officeDocument/2006/relationships" xmlns:p="http://schemas.openxmlformats.org/presentationml/2006/main">
+  <p:cSld>
+    <p:spTree>
+      <p:nvGrpSpPr>
+        <p:cNvPr id="1" name=""/>
+        <p:cNvGrpSpPr/>
+        <p:nvPr/>
+      </p:nvGrpSpPr>
+      <p:grpSpPr>
+        <a:xfrm>
+          <a:off x="0" y="0"/>
+          <a:ext cx="0" cy="0"/>
+          <a:chOff x="0" y="0"/>
+          <a:chExt cx="0" cy="0"/>
+        </a:xfrm>
+      </p:grpSpPr>
+      <p:sp>
+        <p:nvSpPr>
+          <p:cNvPr id="3" name="Content Placeholder 2"/>
+          <p:cNvSpPr>
+            <a:spLocks noGrp="1"/>
+          </p:cNvSpPr>
+          <p:nvPr>
+            <p:ph idx="1"/>
+          </p:nvPr>
+        </p:nvSpPr>
+        <p:spPr/>
+        <p:txBody>
+          <a:bodyPr>
+            <a:normAutofit/>
+          </a:bodyPr>
+          <a:lstStyle/>
+          <a:p>
+            <a:pPr algn="just"/>
+            <a:r>
+              <a:rPr lang="en-US" dirty="0"/>
+              <a:t>The default width of a block-level element is set to the width of the page. If there are block level elements inside of a parent block, then the width of the child will take on the width of that parent block by default</a:t>
+            </a:r>
+            <a:r>
+              <a:rPr lang="en-US" dirty="0" smtClean="0"/>
+              <a:t>.</a:t>
+            </a:r>
+          </a:p>
+          <a:p>
+            <a:pPr algn="just"/>
+            <a:endParaRPr lang="en-US" dirty="0" smtClean="0"/>
+          </a:p>
+          <a:p>
+            <a:pPr algn="just"/>
+            <a:r>
+              <a:rPr lang="en-US" dirty="0">
+                <a:hlinkClick r:id="rId3"/>
+              </a:rPr>
+              <a:t/>
+            </a:r>
+            <a:br>
+              <a:rPr lang="en-US" dirty="0">
+                <a:hlinkClick r:id="rId3"/>
+              </a:rPr>
+            </a:br>
+            <a:endParaRPr lang="en-US" dirty="0"/>
+          </a:p>
+          <a:p>
+            <a:pPr marL="109728" indent="0" algn="just">
+              <a:buNone/>
+            </a:pPr>
+            <a:endParaRPr lang="en-IN" dirty="0" smtClean="0">
+              <a:solidFill>
+                <a:srgbClr val="FF0000"/>
+              </a:solidFill>
+            </a:endParaRPr>
+          </a:p>
+          <a:p>
+            <a:pPr marL="109728" indent="0" algn="just">
+              <a:buNone/>
+            </a:pPr>
+            <a:endParaRPr lang="en-IN" dirty="0">
+              <a:solidFill>
+                <a:srgbClr val="FF0000"/>
+              </a:solidFill>
+            </a:endParaRPr>
+          </a:p>
+          <a:p>
+            <a:pPr marL="109728" indent="0" algn="just">
+              <a:buNone/>
+            </a:pPr>
+            <a:endParaRPr lang="en-IN" dirty="0"/>
+          </a:p>
+        </p:txBody>
+      </p:sp>
+      <p:sp>
+        <p:nvSpPr>
+          <p:cNvPr id="2" name="Title 1"/>
+          <p:cNvSpPr>
+            <a:spLocks noGrp="1"/>
+          </p:cNvSpPr>
+          <p:nvPr>
+            <p:ph type="title"/>
+          </p:nvPr>
+        </p:nvSpPr>
+        <p:spPr/>
+        <p:txBody>
+          <a:bodyPr>
+            <a:normAutofit/>
+          </a:bodyPr>
+          <a:lstStyle/>
+          <a:p>
+            <a:r>
+              <a:rPr lang="en-IN" dirty="0" smtClean="0"/>
+              <a:t>CSS width</a:t>
+            </a:r>
+            <a:endParaRPr lang="en-IN" dirty="0"/>
+          </a:p>
+        </p:txBody>
+      </p:sp>
+    </p:spTree>
+    <p:extLst>
+      <p:ext uri="{BB962C8B-B14F-4D97-AF65-F5344CB8AC3E}">
+        <p14:creationId xmlns:p14="http://schemas.microsoft.com/office/powerpoint/2010/main" val="119927541"/>
+      </p:ext>
+    </p:extLst>
+  </p:cSld>
+  <p:clrMapOvr>
+    <a:masterClrMapping/>
+  </p:clrMapOvr>
+  <p:timing>
+    <p:tnLst>
+      <p:par>
+        <p:cTn id="1" dur="indefinite" restart="never" nodeType="tmRoot"/>
+      </p:par>
+    </p:tnLst>
+  </p:timing>
+</p:sld>
+</file>
+
+<file path=ppt/slides/slide8.xml><?xml version="1.0" encoding="utf-8"?>
+<p:sld xmlns:a="http://schemas.openxmlformats.org/drawingml/2006/main" xmlns:r="http://schemas.openxmlformats.org/officeDocument/2006/relationships" xmlns:p="http://schemas.openxmlformats.org/presentationml/2006/main">
+  <p:cSld>
+    <p:spTree>
+      <p:nvGrpSpPr>
+        <p:cNvPr id="1" name=""/>
+        <p:cNvGrpSpPr/>
+        <p:nvPr/>
+      </p:nvGrpSpPr>
+      <p:grpSpPr>
+        <a:xfrm>
+          <a:off x="0" y="0"/>
+          <a:ext cx="0" cy="0"/>
+          <a:chOff x="0" y="0"/>
+          <a:chExt cx="0" cy="0"/>
+        </a:xfrm>
+      </p:grpSpPr>
+      <p:sp>
+        <p:nvSpPr>
+          <p:cNvPr id="3" name="Content Placeholder 2"/>
+          <p:cNvSpPr>
+            <a:spLocks noGrp="1"/>
+          </p:cNvSpPr>
+          <p:nvPr>
+            <p:ph idx="1"/>
+          </p:nvPr>
+        </p:nvSpPr>
+        <p:spPr/>
+        <p:txBody>
+          <a:bodyPr>
+            <a:normAutofit fontScale="85000" lnSpcReduction="10000"/>
+          </a:bodyPr>
+          <a:lstStyle/>
+          <a:p>
+            <a:pPr algn="just"/>
+            <a:r>
+              <a:rPr lang="en-US" dirty="0" smtClean="0"/>
+              <a:t>The </a:t>
+            </a:r>
+            <a:r>
+              <a:rPr lang="en-US" dirty="0"/>
+              <a:t>min-width property specifies the minimum width. It indicates the minimal possible width for an element.</a:t>
+            </a:r>
+          </a:p>
+          <a:p>
+            <a:pPr algn="just"/>
+            <a:r>
+              <a:rPr lang="en-US" dirty="0"/>
+              <a:t>In some cases, you may want your element to have flexible width, so you give it a width in a relative unit such as a percentage. But as the screen shrinks, the element's width shrinks as well. </a:t>
+            </a:r>
+          </a:p>
+          <a:p>
+            <a:pPr algn="just"/>
+            <a:r>
+              <a:rPr lang="en-US" dirty="0"/>
+              <a:t>This is where min-width comes in – you can set a minimum width so that the card knows not to shrink smaller than the specified width.</a:t>
+            </a:r>
+          </a:p>
+          <a:p>
+            <a:pPr algn="just"/>
+            <a:endParaRPr lang="en-US" dirty="0" smtClean="0"/>
+          </a:p>
+          <a:p>
+            <a:pPr algn="just"/>
+            <a:r>
+              <a:rPr lang="en-US" dirty="0">
+                <a:hlinkClick r:id="rId3"/>
+              </a:rPr>
+              <a:t/>
+            </a:r>
+            <a:br>
+              <a:rPr lang="en-US" dirty="0">
+                <a:hlinkClick r:id="rId3"/>
+              </a:rPr>
+            </a:br>
+            <a:endParaRPr lang="en-US" dirty="0"/>
+          </a:p>
+          <a:p>
+            <a:pPr marL="109728" indent="0" algn="just">
+              <a:buNone/>
+            </a:pPr>
+            <a:endParaRPr lang="en-IN" dirty="0" smtClean="0">
+              <a:solidFill>
+                <a:srgbClr val="FF0000"/>
+              </a:solidFill>
+            </a:endParaRPr>
+          </a:p>
+          <a:p>
+            <a:pPr marL="109728" indent="0" algn="just">
+              <a:buNone/>
+            </a:pPr>
+            <a:endParaRPr lang="en-IN" dirty="0">
+              <a:solidFill>
+                <a:srgbClr val="FF0000"/>
+              </a:solidFill>
+            </a:endParaRPr>
+          </a:p>
+          <a:p>
+            <a:pPr marL="109728" indent="0" algn="just">
+              <a:buNone/>
+            </a:pPr>
+            <a:endParaRPr lang="en-IN" dirty="0"/>
+          </a:p>
+        </p:txBody>
+      </p:sp>
+      <p:sp>
+        <p:nvSpPr>
+          <p:cNvPr id="2" name="Title 1"/>
+          <p:cNvSpPr>
+            <a:spLocks noGrp="1"/>
+          </p:cNvSpPr>
+          <p:nvPr>
+            <p:ph type="title"/>
+          </p:nvPr>
+        </p:nvSpPr>
+        <p:spPr/>
+        <p:txBody>
+          <a:bodyPr>
+            <a:normAutofit/>
+          </a:bodyPr>
+          <a:lstStyle/>
+          <a:p>
+            <a:r>
+              <a:rPr lang="en-IN" dirty="0" smtClean="0"/>
+              <a:t>CSS min-width</a:t>
+            </a:r>
+            <a:endParaRPr lang="en-IN" dirty="0"/>
+          </a:p>
+        </p:txBody>
+      </p:sp>
+    </p:spTree>
+    <p:extLst>
+      <p:ext uri="{BB962C8B-B14F-4D97-AF65-F5344CB8AC3E}">
+        <p14:creationId xmlns:p14="http://schemas.microsoft.com/office/powerpoint/2010/main" val="1106869484"/>
+      </p:ext>
+    </p:extLst>
+  </p:cSld>
+  <p:clrMapOvr>
+    <a:masterClrMapping/>
+  </p:clrMapOvr>
+  <p:timing>
+    <p:tnLst>
+      <p:par>
+        <p:cTn id="1" dur="indefinite" restart="never" nodeType="tmRoot"/>
+      </p:par>
+    </p:tnLst>
+  </p:timing>
+</p:sld>
+</file>
+
+<file path=ppt/slides/slide9.xml><?xml version="1.0" encoding="utf-8"?>
+<p:sld xmlns:a="http://schemas.openxmlformats.org/drawingml/2006/main" xmlns:r="http://schemas.openxmlformats.org/officeDocument/2006/relationships" xmlns:p="http://schemas.openxmlformats.org/presentationml/2006/main">
+  <p:cSld>
+    <p:spTree>
+      <p:nvGrpSpPr>
+        <p:cNvPr id="1" name=""/>
+        <p:cNvGrpSpPr/>
+        <p:nvPr/>
+      </p:nvGrpSpPr>
+      <p:grpSpPr>
+        <a:xfrm>
+          <a:off x="0" y="0"/>
+          <a:ext cx="0" cy="0"/>
+          <a:chOff x="0" y="0"/>
+          <a:chExt cx="0" cy="0"/>
+        </a:xfrm>
+      </p:grpSpPr>
+      <p:sp>
+        <p:nvSpPr>
+          <p:cNvPr id="3" name="Content Placeholder 2"/>
+          <p:cNvSpPr>
+            <a:spLocks noGrp="1"/>
+          </p:cNvSpPr>
+          <p:nvPr>
+            <p:ph idx="1"/>
+          </p:nvPr>
+        </p:nvSpPr>
+        <p:spPr/>
+        <p:txBody>
+          <a:bodyPr>
+            <a:normAutofit/>
+          </a:bodyPr>
+          <a:lstStyle/>
+          <a:p>
+            <a:pPr algn="just"/>
+            <a:r>
+              <a:rPr lang="en-US" dirty="0"/>
+              <a:t>The max-width property lets you specify an element's maximum width. This means that an element can increase in width until it reaches a specific </a:t>
+            </a:r>
+            <a:r>
+              <a:rPr lang="en-US" dirty="0" smtClean="0"/>
+              <a:t>width, </a:t>
+            </a:r>
+            <a:r>
+              <a:rPr lang="en-US" dirty="0"/>
+              <a:t>at which point it should fix its width to that unit.</a:t>
+            </a:r>
+            <a:endParaRPr lang="en-US" dirty="0" smtClean="0"/>
+          </a:p>
+          <a:p>
+            <a:pPr algn="just"/>
+            <a:r>
+              <a:rPr lang="en-US" dirty="0">
+                <a:hlinkClick r:id="rId3"/>
+              </a:rPr>
+              <a:t/>
+            </a:r>
+            <a:br>
+              <a:rPr lang="en-US" dirty="0">
+                <a:hlinkClick r:id="rId3"/>
+              </a:rPr>
+            </a:br>
+            <a:endParaRPr lang="en-US" dirty="0"/>
+          </a:p>
+          <a:p>
+            <a:pPr marL="109728" indent="0" algn="just">
+              <a:buNone/>
+            </a:pPr>
+            <a:endParaRPr lang="en-IN" dirty="0" smtClean="0">
+              <a:solidFill>
+                <a:srgbClr val="FF0000"/>
+              </a:solidFill>
+            </a:endParaRPr>
+          </a:p>
+          <a:p>
+            <a:pPr marL="109728" indent="0" algn="just">
+              <a:buNone/>
+            </a:pPr>
+            <a:endParaRPr lang="en-IN" dirty="0">
+              <a:solidFill>
+                <a:srgbClr val="FF0000"/>
+              </a:solidFill>
+            </a:endParaRPr>
+          </a:p>
+          <a:p>
+            <a:pPr marL="109728" indent="0" algn="just">
+              <a:buNone/>
+            </a:pPr>
+            <a:endParaRPr lang="en-IN" dirty="0"/>
+          </a:p>
+        </p:txBody>
+      </p:sp>
+      <p:sp>
+        <p:nvSpPr>
+          <p:cNvPr id="2" name="Title 1"/>
+          <p:cNvSpPr>
+            <a:spLocks noGrp="1"/>
+          </p:cNvSpPr>
+          <p:nvPr>
+            <p:ph type="title"/>
+          </p:nvPr>
+        </p:nvSpPr>
+        <p:spPr/>
+        <p:txBody>
+          <a:bodyPr>
+            <a:normAutofit/>
+          </a:bodyPr>
+          <a:lstStyle/>
+          <a:p>
+            <a:r>
+              <a:rPr lang="en-IN" dirty="0" smtClean="0"/>
+              <a:t>CSS max-width</a:t>
+            </a:r>
+            <a:endParaRPr lang="en-IN" dirty="0"/>
+          </a:p>
+        </p:txBody>
+      </p:sp>
+    </p:spTree>
+    <p:extLst>
+      <p:ext uri="{BB962C8B-B14F-4D97-AF65-F5344CB8AC3E}">
+        <p14:creationId xmlns:p14="http://schemas.microsoft.com/office/powerpoint/2010/main" val="852023952"/>
       </p:ext>
     </p:extLst>
   </p:cSld>
